--- a/slides/9-OO.pptx
+++ b/slides/9-OO.pptx
@@ -250,7 +250,7 @@
             <a:fld id="{3CDD0DE3-45DB-4C54-87B2-6479F59A40E2}" type="datetimeFigureOut">
               <a:rPr lang="pt-BR" smtClean="0"/>
               <a:pPr/>
-              <a:t>27/01/2012</a:t>
+              <a:t>11/02/2012</a:t>
             </a:fld>
             <a:endParaRPr lang="pt-BR"/>
           </a:p>
@@ -419,7 +419,7 @@
     </p:spTree>
     <p:extLst>
       <p:ext uri="{BB962C8B-B14F-4D97-AF65-F5344CB8AC3E}">
-        <p14:creationId xmlns:p14="http://schemas.microsoft.com/office/powerpoint/2010/main" xmlns="" val="323633875"/>
+        <p14:creationId xmlns="" xmlns:p14="http://schemas.microsoft.com/office/powerpoint/2010/main" val="323633875"/>
       </p:ext>
     </p:extLst>
   </p:cSld>
@@ -1139,7 +1139,7 @@
           </a:bodyPr>
           <a:lstStyle/>
           <a:p>
-            <a:endParaRPr lang="pt-BR"/>
+            <a:endParaRPr lang="pt-BR" dirty="0"/>
           </a:p>
         </p:txBody>
       </p:sp>
@@ -5466,7 +5466,7 @@
             <a:fld id="{766E0936-2EAE-45ED-BF76-21D747438BFA}" type="datetimeFigureOut">
               <a:rPr lang="pt-BR" smtClean="0"/>
               <a:pPr/>
-              <a:t>27/01/2012</a:t>
+              <a:t>11/02/2012</a:t>
             </a:fld>
             <a:endParaRPr lang="pt-BR"/>
           </a:p>
@@ -5518,7 +5518,7 @@
     </p:spTree>
     <p:extLst>
       <p:ext uri="{BB962C8B-B14F-4D97-AF65-F5344CB8AC3E}">
-        <p14:creationId xmlns:p14="http://schemas.microsoft.com/office/powerpoint/2010/main" xmlns="" val="3819067513"/>
+        <p14:creationId xmlns="" xmlns:p14="http://schemas.microsoft.com/office/powerpoint/2010/main" val="3819067513"/>
       </p:ext>
     </p:extLst>
   </p:cSld>
@@ -5690,7 +5690,7 @@
             <a:fld id="{766E0936-2EAE-45ED-BF76-21D747438BFA}" type="datetimeFigureOut">
               <a:rPr lang="pt-BR" smtClean="0"/>
               <a:pPr/>
-              <a:t>27/01/2012</a:t>
+              <a:t>11/02/2012</a:t>
             </a:fld>
             <a:endParaRPr lang="pt-BR"/>
           </a:p>
@@ -5742,7 +5742,7 @@
     </p:spTree>
     <p:extLst>
       <p:ext uri="{BB962C8B-B14F-4D97-AF65-F5344CB8AC3E}">
-        <p14:creationId xmlns:p14="http://schemas.microsoft.com/office/powerpoint/2010/main" xmlns="" val="4293683188"/>
+        <p14:creationId xmlns="" xmlns:p14="http://schemas.microsoft.com/office/powerpoint/2010/main" val="4293683188"/>
       </p:ext>
     </p:extLst>
   </p:cSld>
@@ -5924,7 +5924,7 @@
             <a:fld id="{766E0936-2EAE-45ED-BF76-21D747438BFA}" type="datetimeFigureOut">
               <a:rPr lang="pt-BR" smtClean="0"/>
               <a:pPr/>
-              <a:t>27/01/2012</a:t>
+              <a:t>11/02/2012</a:t>
             </a:fld>
             <a:endParaRPr lang="pt-BR"/>
           </a:p>
@@ -5976,7 +5976,7 @@
     </p:spTree>
     <p:extLst>
       <p:ext uri="{BB962C8B-B14F-4D97-AF65-F5344CB8AC3E}">
-        <p14:creationId xmlns:p14="http://schemas.microsoft.com/office/powerpoint/2010/main" xmlns="" val="932540526"/>
+        <p14:creationId xmlns="" xmlns:p14="http://schemas.microsoft.com/office/powerpoint/2010/main" val="932540526"/>
       </p:ext>
     </p:extLst>
   </p:cSld>
@@ -6023,7 +6023,7 @@
           <a:blip r:embed="rId2" cstate="print">
             <a:extLst>
               <a:ext uri="{BEBA8EAE-BF5A-486C-A8C5-ECC9F3942E4B}">
-                <a14:imgProps xmlns:a14="http://schemas.microsoft.com/office/drawing/2010/main" xmlns="">
+                <a14:imgProps xmlns="" xmlns:a14="http://schemas.microsoft.com/office/drawing/2010/main">
                   <a14:imgLayer r:embed="rId3">
                     <a14:imgEffect>
                       <a14:artisticBlur/>
@@ -6032,7 +6032,7 @@
                 </a14:imgProps>
               </a:ext>
               <a:ext uri="{28A0092B-C50C-407E-A947-70E740481C1C}">
-                <a14:useLocalDpi xmlns:a14="http://schemas.microsoft.com/office/drawing/2010/main" xmlns="" val="0"/>
+                <a14:useLocalDpi xmlns="" xmlns:a14="http://schemas.microsoft.com/office/drawing/2010/main" val="0"/>
               </a:ext>
             </a:extLst>
           </a:blip>
@@ -6054,14 +6054,14 @@
           </a:ln>
           <a:extLst>
             <a:ext uri="{909E8E84-426E-40DD-AFC4-6F175D3DCCD1}">
-              <a14:hiddenFill xmlns:a14="http://schemas.microsoft.com/office/drawing/2010/main" xmlns="">
+              <a14:hiddenFill xmlns="" xmlns:a14="http://schemas.microsoft.com/office/drawing/2010/main">
                 <a:solidFill>
                   <a:schemeClr val="accent1"/>
                 </a:solidFill>
               </a14:hiddenFill>
             </a:ext>
             <a:ext uri="{91240B29-F687-4F45-9708-019B960494DF}">
-              <a14:hiddenLine xmlns:a14="http://schemas.microsoft.com/office/drawing/2010/main" xmlns="" w="9525">
+              <a14:hiddenLine xmlns="" xmlns:a14="http://schemas.microsoft.com/office/drawing/2010/main" w="9525">
                 <a:solidFill>
                   <a:schemeClr val="tx1"/>
                 </a:solidFill>
@@ -6071,7 +6071,7 @@
               </a14:hiddenLine>
             </a:ext>
             <a:ext uri="{AF507438-7753-43E0-B8FC-AC1667EBCBE1}">
-              <a14:hiddenEffects xmlns:a14="http://schemas.microsoft.com/office/drawing/2010/main" xmlns="">
+              <a14:hiddenEffects xmlns="" xmlns:a14="http://schemas.microsoft.com/office/drawing/2010/main">
                 <a:effectLst>
                   <a:outerShdw dist="35921" dir="2700000" algn="ctr" rotWithShape="0">
                     <a:schemeClr val="bg2"/>
@@ -6267,7 +6267,7 @@
             <a:fld id="{766E0936-2EAE-45ED-BF76-21D747438BFA}" type="datetimeFigureOut">
               <a:rPr lang="pt-BR" smtClean="0"/>
               <a:pPr/>
-              <a:t>27/01/2012</a:t>
+              <a:t>11/02/2012</a:t>
             </a:fld>
             <a:endParaRPr lang="pt-BR"/>
           </a:p>
@@ -6319,7 +6319,7 @@
     </p:spTree>
     <p:extLst>
       <p:ext uri="{BB962C8B-B14F-4D97-AF65-F5344CB8AC3E}">
-        <p14:creationId xmlns:p14="http://schemas.microsoft.com/office/powerpoint/2010/main" xmlns="" val="1140807732"/>
+        <p14:creationId xmlns="" xmlns:p14="http://schemas.microsoft.com/office/powerpoint/2010/main" val="1140807732"/>
       </p:ext>
     </p:extLst>
   </p:cSld>
@@ -6525,7 +6525,7 @@
             <a:fld id="{766E0936-2EAE-45ED-BF76-21D747438BFA}" type="datetimeFigureOut">
               <a:rPr lang="pt-BR" smtClean="0"/>
               <a:pPr/>
-              <a:t>27/01/2012</a:t>
+              <a:t>11/02/2012</a:t>
             </a:fld>
             <a:endParaRPr lang="pt-BR"/>
           </a:p>
@@ -6577,7 +6577,7 @@
     </p:spTree>
     <p:extLst>
       <p:ext uri="{BB962C8B-B14F-4D97-AF65-F5344CB8AC3E}">
-        <p14:creationId xmlns:p14="http://schemas.microsoft.com/office/powerpoint/2010/main" xmlns="" val="3735907881"/>
+        <p14:creationId xmlns="" xmlns:p14="http://schemas.microsoft.com/office/powerpoint/2010/main" val="3735907881"/>
       </p:ext>
     </p:extLst>
   </p:cSld>
@@ -6871,7 +6871,7 @@
             <a:fld id="{766E0936-2EAE-45ED-BF76-21D747438BFA}" type="datetimeFigureOut">
               <a:rPr lang="pt-BR" smtClean="0"/>
               <a:pPr/>
-              <a:t>27/01/2012</a:t>
+              <a:t>11/02/2012</a:t>
             </a:fld>
             <a:endParaRPr lang="pt-BR"/>
           </a:p>
@@ -6923,7 +6923,7 @@
     </p:spTree>
     <p:extLst>
       <p:ext uri="{BB962C8B-B14F-4D97-AF65-F5344CB8AC3E}">
-        <p14:creationId xmlns:p14="http://schemas.microsoft.com/office/powerpoint/2010/main" xmlns="" val="2820318444"/>
+        <p14:creationId xmlns="" xmlns:p14="http://schemas.microsoft.com/office/powerpoint/2010/main" val="2820318444"/>
       </p:ext>
     </p:extLst>
   </p:cSld>
@@ -7355,7 +7355,7 @@
             <a:fld id="{766E0936-2EAE-45ED-BF76-21D747438BFA}" type="datetimeFigureOut">
               <a:rPr lang="pt-BR" smtClean="0"/>
               <a:pPr/>
-              <a:t>27/01/2012</a:t>
+              <a:t>11/02/2012</a:t>
             </a:fld>
             <a:endParaRPr lang="pt-BR"/>
           </a:p>
@@ -7407,7 +7407,7 @@
     </p:spTree>
     <p:extLst>
       <p:ext uri="{BB962C8B-B14F-4D97-AF65-F5344CB8AC3E}">
-        <p14:creationId xmlns:p14="http://schemas.microsoft.com/office/powerpoint/2010/main" xmlns="" val="566552069"/>
+        <p14:creationId xmlns="" xmlns:p14="http://schemas.microsoft.com/office/powerpoint/2010/main" val="566552069"/>
       </p:ext>
     </p:extLst>
   </p:cSld>
@@ -7491,7 +7491,7 @@
             <a:fld id="{766E0936-2EAE-45ED-BF76-21D747438BFA}" type="datetimeFigureOut">
               <a:rPr lang="pt-BR" smtClean="0"/>
               <a:pPr/>
-              <a:t>27/01/2012</a:t>
+              <a:t>11/02/2012</a:t>
             </a:fld>
             <a:endParaRPr lang="pt-BR"/>
           </a:p>
@@ -7543,7 +7543,7 @@
     </p:spTree>
     <p:extLst>
       <p:ext uri="{BB962C8B-B14F-4D97-AF65-F5344CB8AC3E}">
-        <p14:creationId xmlns:p14="http://schemas.microsoft.com/office/powerpoint/2010/main" xmlns="" val="1358390184"/>
+        <p14:creationId xmlns="" xmlns:p14="http://schemas.microsoft.com/office/powerpoint/2010/main" val="1358390184"/>
       </p:ext>
     </p:extLst>
   </p:cSld>
@@ -7596,7 +7596,7 @@
             <a:fld id="{766E0936-2EAE-45ED-BF76-21D747438BFA}" type="datetimeFigureOut">
               <a:rPr lang="pt-BR" smtClean="0"/>
               <a:pPr/>
-              <a:t>27/01/2012</a:t>
+              <a:t>11/02/2012</a:t>
             </a:fld>
             <a:endParaRPr lang="pt-BR"/>
           </a:p>
@@ -7648,7 +7648,7 @@
     </p:spTree>
     <p:extLst>
       <p:ext uri="{BB962C8B-B14F-4D97-AF65-F5344CB8AC3E}">
-        <p14:creationId xmlns:p14="http://schemas.microsoft.com/office/powerpoint/2010/main" xmlns="" val="3705262111"/>
+        <p14:creationId xmlns="" xmlns:p14="http://schemas.microsoft.com/office/powerpoint/2010/main" val="3705262111"/>
       </p:ext>
     </p:extLst>
   </p:cSld>
@@ -7911,7 +7911,7 @@
             <a:fld id="{766E0936-2EAE-45ED-BF76-21D747438BFA}" type="datetimeFigureOut">
               <a:rPr lang="pt-BR" smtClean="0"/>
               <a:pPr/>
-              <a:t>27/01/2012</a:t>
+              <a:t>11/02/2012</a:t>
             </a:fld>
             <a:endParaRPr lang="pt-BR"/>
           </a:p>
@@ -7963,7 +7963,7 @@
     </p:spTree>
     <p:extLst>
       <p:ext uri="{BB962C8B-B14F-4D97-AF65-F5344CB8AC3E}">
-        <p14:creationId xmlns:p14="http://schemas.microsoft.com/office/powerpoint/2010/main" xmlns="" val="2189634051"/>
+        <p14:creationId xmlns="" xmlns:p14="http://schemas.microsoft.com/office/powerpoint/2010/main" val="2189634051"/>
       </p:ext>
     </p:extLst>
   </p:cSld>
@@ -8186,7 +8186,7 @@
             <a:fld id="{766E0936-2EAE-45ED-BF76-21D747438BFA}" type="datetimeFigureOut">
               <a:rPr lang="pt-BR" smtClean="0"/>
               <a:pPr/>
-              <a:t>27/01/2012</a:t>
+              <a:t>11/02/2012</a:t>
             </a:fld>
             <a:endParaRPr lang="pt-BR"/>
           </a:p>
@@ -8238,7 +8238,7 @@
     </p:spTree>
     <p:extLst>
       <p:ext uri="{BB962C8B-B14F-4D97-AF65-F5344CB8AC3E}">
-        <p14:creationId xmlns:p14="http://schemas.microsoft.com/office/powerpoint/2010/main" xmlns="" val="3848481695"/>
+        <p14:creationId xmlns="" xmlns:p14="http://schemas.microsoft.com/office/powerpoint/2010/main" val="3848481695"/>
       </p:ext>
     </p:extLst>
   </p:cSld>
@@ -8402,7 +8402,7 @@
             <a:fld id="{766E0936-2EAE-45ED-BF76-21D747438BFA}" type="datetimeFigureOut">
               <a:rPr lang="pt-BR" smtClean="0"/>
               <a:pPr/>
-              <a:t>27/01/2012</a:t>
+              <a:t>11/02/2012</a:t>
             </a:fld>
             <a:endParaRPr lang="pt-BR"/>
           </a:p>
@@ -8516,7 +8516,7 @@
     </p:spTree>
     <p:extLst>
       <p:ext uri="{BB962C8B-B14F-4D97-AF65-F5344CB8AC3E}">
-        <p14:creationId xmlns:p14="http://schemas.microsoft.com/office/powerpoint/2010/main" xmlns="" val="2257276274"/>
+        <p14:creationId xmlns="" xmlns:p14="http://schemas.microsoft.com/office/powerpoint/2010/main" val="2257276274"/>
       </p:ext>
     </p:extLst>
   </p:cSld>
@@ -8824,7 +8824,7 @@
           <a:blip r:embed="rId3" cstate="print">
             <a:extLst>
               <a:ext uri="{28A0092B-C50C-407E-A947-70E740481C1C}">
-                <a14:useLocalDpi xmlns:a14="http://schemas.microsoft.com/office/drawing/2010/main" xmlns="" val="0"/>
+                <a14:useLocalDpi xmlns="" xmlns:a14="http://schemas.microsoft.com/office/drawing/2010/main" val="0"/>
               </a:ext>
             </a:extLst>
           </a:blip>
@@ -8848,14 +8848,14 @@
           <a:effectLst/>
           <a:extLst>
             <a:ext uri="{909E8E84-426E-40DD-AFC4-6F175D3DCCD1}">
-              <a14:hiddenFill xmlns:a14="http://schemas.microsoft.com/office/drawing/2010/main" xmlns="">
+              <a14:hiddenFill xmlns="" xmlns:a14="http://schemas.microsoft.com/office/drawing/2010/main">
                 <a:solidFill>
                   <a:schemeClr val="accent1"/>
                 </a:solidFill>
               </a14:hiddenFill>
             </a:ext>
             <a:ext uri="{91240B29-F687-4F45-9708-019B960494DF}">
-              <a14:hiddenLine xmlns:a14="http://schemas.microsoft.com/office/drawing/2010/main" xmlns="" w="9525">
+              <a14:hiddenLine xmlns="" xmlns:a14="http://schemas.microsoft.com/office/drawing/2010/main" w="9525">
                 <a:solidFill>
                   <a:schemeClr val="tx1"/>
                 </a:solidFill>
@@ -8865,7 +8865,7 @@
               </a14:hiddenLine>
             </a:ext>
             <a:ext uri="{AF507438-7753-43E0-B8FC-AC1667EBCBE1}">
-              <a14:hiddenEffects xmlns:a14="http://schemas.microsoft.com/office/drawing/2010/main" xmlns="">
+              <a14:hiddenEffects xmlns="" xmlns:a14="http://schemas.microsoft.com/office/drawing/2010/main">
                 <a:effectLst>
                   <a:outerShdw dist="35921" dir="2700000" algn="ctr" rotWithShape="0">
                     <a:schemeClr val="bg2"/>
@@ -8948,7 +8948,7 @@
     </p:spTree>
     <p:extLst>
       <p:ext uri="{BB962C8B-B14F-4D97-AF65-F5344CB8AC3E}">
-        <p14:creationId xmlns:p14="http://schemas.microsoft.com/office/powerpoint/2010/main" xmlns="" val="3499982093"/>
+        <p14:creationId xmlns="" xmlns:p14="http://schemas.microsoft.com/office/powerpoint/2010/main" val="3499982093"/>
       </p:ext>
     </p:extLst>
   </p:cSld>
@@ -9780,11 +9780,23 @@
           <a:p>
             <a:r>
               <a:rPr lang="pt-BR" dirty="0" smtClean="0"/>
-              <a:t>Os </a:t>
+              <a:t>Os membros do tipo declarado são os únicos que podem ser acessados, mesmo </a:t>
             </a:r>
             <a:r>
               <a:rPr lang="pt-BR" dirty="0" smtClean="0"/>
-              <a:t>membros do tipo declarado são os únicos que podem ser acessados, mesmo de for uma referência  de subclasse</a:t>
+              <a:t>se </a:t>
+            </a:r>
+            <a:r>
+              <a:rPr lang="pt-BR" dirty="0" smtClean="0"/>
+              <a:t>for </a:t>
+            </a:r>
+            <a:r>
+              <a:rPr lang="pt-BR" dirty="0" smtClean="0"/>
+              <a:t>de uma </a:t>
+            </a:r>
+            <a:r>
+              <a:rPr lang="pt-BR" dirty="0" smtClean="0"/>
+              <a:t>referência  de subclasse</a:t>
             </a:r>
             <a:endParaRPr lang="pt-BR" dirty="0"/>
           </a:p>
@@ -10004,7 +10016,19 @@
             </a:pPr>
             <a:r>
               <a:rPr lang="pt-BR" dirty="0" smtClean="0"/>
-              <a:t>          Casa te uma Porta</a:t>
+              <a:t>          </a:t>
+            </a:r>
+            <a:r>
+              <a:rPr lang="pt-BR" smtClean="0"/>
+              <a:t>Casa </a:t>
+            </a:r>
+            <a:r>
+              <a:rPr lang="pt-BR" smtClean="0"/>
+              <a:t>te </a:t>
+            </a:r>
+            <a:r>
+              <a:rPr lang="pt-BR" dirty="0" smtClean="0"/>
+              <a:t>uma Porta</a:t>
             </a:r>
           </a:p>
         </p:txBody>
@@ -10082,11 +10106,7 @@
           <a:p>
             <a:r>
               <a:rPr lang="pt-BR" dirty="0" smtClean="0"/>
-              <a:t>É a capacidade </a:t>
-            </a:r>
-            <a:r>
-              <a:rPr lang="pt-BR" dirty="0" smtClean="0"/>
-              <a:t>de assumir várias formas</a:t>
+              <a:t>É a capacidade de assumir várias formas</a:t>
             </a:r>
           </a:p>
           <a:p>
@@ -10229,15 +10249,7 @@
           <a:p>
             <a:r>
               <a:rPr lang="pt-BR" dirty="0" smtClean="0"/>
-              <a:t>Polimorfismo com uma variável </a:t>
-            </a:r>
-            <a:r>
-              <a:rPr lang="pt-BR" dirty="0" smtClean="0"/>
-              <a:t>de </a:t>
-            </a:r>
-            <a:r>
-              <a:rPr lang="pt-BR" dirty="0" smtClean="0"/>
-              <a:t>referência</a:t>
+              <a:t>Polimorfismo com uma variável de referência</a:t>
             </a:r>
             <a:endParaRPr lang="pt-BR" dirty="0"/>
           </a:p>
@@ -10858,6 +10870,13 @@
     <a:masterClrMapping/>
   </p:clrMapOvr>
   <p:transition spd="slow"/>
+  <p:timing>
+    <p:tnLst>
+      <p:par>
+        <p:cTn id="1" dur="indefinite" restart="never" nodeType="tmRoot"/>
+      </p:par>
+    </p:tnLst>
+  </p:timing>
 </p:sld>
 </file>
 
@@ -12186,11 +12205,7 @@
           <a:p>
             <a:r>
               <a:rPr lang="pt-BR" dirty="0" smtClean="0"/>
-              <a:t>Regras da s</a:t>
-            </a:r>
-            <a:r>
-              <a:rPr lang="pt-BR" dirty="0" smtClean="0"/>
-              <a:t>obrescrita</a:t>
+              <a:t>Regras da sobrescrita</a:t>
             </a:r>
             <a:endParaRPr lang="pt-BR" dirty="0"/>
           </a:p>
@@ -13030,11 +13045,7 @@
           <a:p>
             <a:r>
               <a:rPr lang="pt-BR" dirty="0" smtClean="0"/>
-              <a:t>Outras regras </a:t>
-            </a:r>
-            <a:r>
-              <a:rPr lang="pt-BR" dirty="0" smtClean="0"/>
-              <a:t>de sobrescrita</a:t>
+              <a:t>Outras regras de sobrescrita</a:t>
             </a:r>
             <a:endParaRPr lang="pt-BR" dirty="0"/>
           </a:p>
@@ -13124,11 +13135,7 @@
           <a:p>
             <a:r>
               <a:rPr lang="pt-BR" dirty="0" smtClean="0"/>
-              <a:t>Outras regras de </a:t>
-            </a:r>
-            <a:r>
-              <a:rPr lang="pt-BR" dirty="0" smtClean="0"/>
-              <a:t>sobrescrita(</a:t>
+              <a:t>Outras regras de sobrescrita(</a:t>
             </a:r>
             <a:r>
               <a:rPr lang="pt-BR" dirty="0" err="1" smtClean="0"/>
@@ -14175,11 +14182,7 @@
           <a:p>
             <a:r>
               <a:rPr lang="pt-BR" dirty="0" smtClean="0"/>
-              <a:t>Mais regras </a:t>
-            </a:r>
-            <a:r>
-              <a:rPr lang="pt-BR" dirty="0" smtClean="0"/>
-              <a:t>de sobrescrita</a:t>
+              <a:t>Mais regras de sobrescrita</a:t>
             </a:r>
             <a:endParaRPr lang="pt-BR" dirty="0"/>
           </a:p>
@@ -14755,11 +14758,7 @@
           <a:p>
             <a:r>
               <a:rPr lang="pt-BR" dirty="0" smtClean="0"/>
-              <a:t>Exemplo  </a:t>
-            </a:r>
-            <a:r>
-              <a:rPr lang="pt-BR" dirty="0" smtClean="0"/>
-              <a:t>Incorreto</a:t>
+              <a:t>Exemplo  Incorreto</a:t>
             </a:r>
             <a:endParaRPr lang="pt-BR" dirty="0"/>
           </a:p>
@@ -17565,13 +17564,8 @@
           <a:p>
             <a:r>
               <a:rPr lang="pt-BR" dirty="0" smtClean="0"/>
-              <a:t>Classe concreta </a:t>
-            </a:r>
-            <a:r>
-              <a:rPr lang="pt-BR" dirty="0" smtClean="0"/>
-              <a:t>precisa</a:t>
-            </a:r>
-            <a:endParaRPr lang="pt-BR" dirty="0" smtClean="0"/>
+              <a:t>Classe concreta precisa</a:t>
+            </a:r>
           </a:p>
           <a:p>
             <a:pPr lvl="1"/>
@@ -17833,11 +17827,7 @@
           <a:p>
             <a:r>
               <a:rPr lang="pt-BR" dirty="0" smtClean="0"/>
-              <a:t>Tipos de </a:t>
-            </a:r>
-            <a:r>
-              <a:rPr lang="pt-BR" dirty="0" smtClean="0"/>
-              <a:t>Retorno(</a:t>
+              <a:t>Tipos de Retorno(</a:t>
             </a:r>
             <a:r>
               <a:rPr lang="pt-BR" dirty="0" err="1" smtClean="0"/>
@@ -17951,11 +17941,7 @@
           <a:p>
             <a:r>
               <a:rPr lang="pt-BR" dirty="0" smtClean="0"/>
-              <a:t>Tipos de </a:t>
-            </a:r>
-            <a:r>
-              <a:rPr lang="pt-BR" dirty="0" smtClean="0"/>
-              <a:t>Retorno(</a:t>
+              <a:t>Tipos de Retorno(</a:t>
             </a:r>
             <a:r>
               <a:rPr lang="pt-BR" dirty="0" err="1" smtClean="0"/>
@@ -18019,11 +18005,7 @@
           <a:p>
             <a:r>
               <a:rPr lang="pt-BR" dirty="0" smtClean="0"/>
-              <a:t>Deixar </a:t>
-            </a:r>
-            <a:r>
-              <a:rPr lang="pt-BR" dirty="0" smtClean="0"/>
-              <a:t>as variáveis protegidas</a:t>
+              <a:t>Deixar as variáveis protegidas</a:t>
             </a:r>
           </a:p>
           <a:p>
@@ -19766,21 +19748,8 @@
                 <a:ea typeface="Calibri"/>
                 <a:cs typeface="Consolas" pitchFamily="49" charset="0"/>
               </a:rPr>
-              <a:t>	</a:t>
-            </a:r>
-            <a:r>
-              <a:rPr lang="pt-BR" sz="1600" dirty="0" smtClean="0">
-                <a:latin typeface="Consolas" pitchFamily="49" charset="0"/>
-                <a:ea typeface="Calibri"/>
-                <a:cs typeface="Consolas" pitchFamily="49" charset="0"/>
-              </a:rPr>
-              <a:t>}</a:t>
-            </a:r>
-            <a:endParaRPr lang="pt-BR" sz="1600" dirty="0" smtClean="0">
-              <a:latin typeface="Consolas" pitchFamily="49" charset="0"/>
-              <a:ea typeface="Calibri"/>
-              <a:cs typeface="Consolas" pitchFamily="49" charset="0"/>
-            </a:endParaRPr>
+              <a:t>	}</a:t>
+            </a:r>
           </a:p>
           <a:p>
             <a:pPr>
@@ -22787,15 +22756,7 @@
           <a:p>
             <a:r>
               <a:rPr lang="pt-BR" dirty="0" smtClean="0"/>
-              <a:t>Tem </a:t>
-            </a:r>
-            <a:r>
-              <a:rPr lang="pt-BR" dirty="0" smtClean="0"/>
-              <a:t>como </a:t>
-            </a:r>
-            <a:r>
-              <a:rPr lang="pt-BR" dirty="0" smtClean="0"/>
-              <a:t>principais objetivos</a:t>
+              <a:t>Tem como principais objetivos</a:t>
             </a:r>
           </a:p>
           <a:p>

--- a/slides/9-OO.pptx
+++ b/slides/9-OO.pptx
@@ -250,7 +250,7 @@
             <a:fld id="{3CDD0DE3-45DB-4C54-87B2-6479F59A40E2}" type="datetimeFigureOut">
               <a:rPr lang="pt-BR" smtClean="0"/>
               <a:pPr/>
-              <a:t>11/02/2012</a:t>
+              <a:t>29/02/2012</a:t>
             </a:fld>
             <a:endParaRPr lang="pt-BR"/>
           </a:p>
@@ -419,7 +419,7 @@
     </p:spTree>
     <p:extLst>
       <p:ext uri="{BB962C8B-B14F-4D97-AF65-F5344CB8AC3E}">
-        <p14:creationId xmlns="" xmlns:p14="http://schemas.microsoft.com/office/powerpoint/2010/main" val="323633875"/>
+        <p14:creationId xmlns:p14="http://schemas.microsoft.com/office/powerpoint/2010/main" val="323633875"/>
       </p:ext>
     </p:extLst>
   </p:cSld>
@@ -5466,7 +5466,7 @@
             <a:fld id="{766E0936-2EAE-45ED-BF76-21D747438BFA}" type="datetimeFigureOut">
               <a:rPr lang="pt-BR" smtClean="0"/>
               <a:pPr/>
-              <a:t>11/02/2012</a:t>
+              <a:t>29/02/2012</a:t>
             </a:fld>
             <a:endParaRPr lang="pt-BR"/>
           </a:p>
@@ -5518,7 +5518,7 @@
     </p:spTree>
     <p:extLst>
       <p:ext uri="{BB962C8B-B14F-4D97-AF65-F5344CB8AC3E}">
-        <p14:creationId xmlns="" xmlns:p14="http://schemas.microsoft.com/office/powerpoint/2010/main" val="3819067513"/>
+        <p14:creationId xmlns:p14="http://schemas.microsoft.com/office/powerpoint/2010/main" val="3819067513"/>
       </p:ext>
     </p:extLst>
   </p:cSld>
@@ -5690,7 +5690,7 @@
             <a:fld id="{766E0936-2EAE-45ED-BF76-21D747438BFA}" type="datetimeFigureOut">
               <a:rPr lang="pt-BR" smtClean="0"/>
               <a:pPr/>
-              <a:t>11/02/2012</a:t>
+              <a:t>29/02/2012</a:t>
             </a:fld>
             <a:endParaRPr lang="pt-BR"/>
           </a:p>
@@ -5742,7 +5742,7 @@
     </p:spTree>
     <p:extLst>
       <p:ext uri="{BB962C8B-B14F-4D97-AF65-F5344CB8AC3E}">
-        <p14:creationId xmlns="" xmlns:p14="http://schemas.microsoft.com/office/powerpoint/2010/main" val="4293683188"/>
+        <p14:creationId xmlns:p14="http://schemas.microsoft.com/office/powerpoint/2010/main" val="4293683188"/>
       </p:ext>
     </p:extLst>
   </p:cSld>
@@ -5924,7 +5924,7 @@
             <a:fld id="{766E0936-2EAE-45ED-BF76-21D747438BFA}" type="datetimeFigureOut">
               <a:rPr lang="pt-BR" smtClean="0"/>
               <a:pPr/>
-              <a:t>11/02/2012</a:t>
+              <a:t>29/02/2012</a:t>
             </a:fld>
             <a:endParaRPr lang="pt-BR"/>
           </a:p>
@@ -5976,7 +5976,7 @@
     </p:spTree>
     <p:extLst>
       <p:ext uri="{BB962C8B-B14F-4D97-AF65-F5344CB8AC3E}">
-        <p14:creationId xmlns="" xmlns:p14="http://schemas.microsoft.com/office/powerpoint/2010/main" val="932540526"/>
+        <p14:creationId xmlns:p14="http://schemas.microsoft.com/office/powerpoint/2010/main" val="932540526"/>
       </p:ext>
     </p:extLst>
   </p:cSld>
@@ -6023,7 +6023,7 @@
           <a:blip r:embed="rId2" cstate="print">
             <a:extLst>
               <a:ext uri="{BEBA8EAE-BF5A-486C-A8C5-ECC9F3942E4B}">
-                <a14:imgProps xmlns="" xmlns:a14="http://schemas.microsoft.com/office/drawing/2010/main">
+                <a14:imgProps xmlns:a14="http://schemas.microsoft.com/office/drawing/2010/main">
                   <a14:imgLayer r:embed="rId3">
                     <a14:imgEffect>
                       <a14:artisticBlur/>
@@ -6032,7 +6032,7 @@
                 </a14:imgProps>
               </a:ext>
               <a:ext uri="{28A0092B-C50C-407E-A947-70E740481C1C}">
-                <a14:useLocalDpi xmlns="" xmlns:a14="http://schemas.microsoft.com/office/drawing/2010/main" val="0"/>
+                <a14:useLocalDpi xmlns:a14="http://schemas.microsoft.com/office/drawing/2010/main" val="0"/>
               </a:ext>
             </a:extLst>
           </a:blip>
@@ -6054,14 +6054,14 @@
           </a:ln>
           <a:extLst>
             <a:ext uri="{909E8E84-426E-40DD-AFC4-6F175D3DCCD1}">
-              <a14:hiddenFill xmlns="" xmlns:a14="http://schemas.microsoft.com/office/drawing/2010/main">
+              <a14:hiddenFill xmlns:a14="http://schemas.microsoft.com/office/drawing/2010/main">
                 <a:solidFill>
                   <a:schemeClr val="accent1"/>
                 </a:solidFill>
               </a14:hiddenFill>
             </a:ext>
             <a:ext uri="{91240B29-F687-4F45-9708-019B960494DF}">
-              <a14:hiddenLine xmlns="" xmlns:a14="http://schemas.microsoft.com/office/drawing/2010/main" w="9525">
+              <a14:hiddenLine xmlns:a14="http://schemas.microsoft.com/office/drawing/2010/main" w="9525">
                 <a:solidFill>
                   <a:schemeClr val="tx1"/>
                 </a:solidFill>
@@ -6071,7 +6071,7 @@
               </a14:hiddenLine>
             </a:ext>
             <a:ext uri="{AF507438-7753-43E0-B8FC-AC1667EBCBE1}">
-              <a14:hiddenEffects xmlns="" xmlns:a14="http://schemas.microsoft.com/office/drawing/2010/main">
+              <a14:hiddenEffects xmlns:a14="http://schemas.microsoft.com/office/drawing/2010/main">
                 <a:effectLst>
                   <a:outerShdw dist="35921" dir="2700000" algn="ctr" rotWithShape="0">
                     <a:schemeClr val="bg2"/>
@@ -6267,7 +6267,7 @@
             <a:fld id="{766E0936-2EAE-45ED-BF76-21D747438BFA}" type="datetimeFigureOut">
               <a:rPr lang="pt-BR" smtClean="0"/>
               <a:pPr/>
-              <a:t>11/02/2012</a:t>
+              <a:t>29/02/2012</a:t>
             </a:fld>
             <a:endParaRPr lang="pt-BR"/>
           </a:p>
@@ -6319,7 +6319,7 @@
     </p:spTree>
     <p:extLst>
       <p:ext uri="{BB962C8B-B14F-4D97-AF65-F5344CB8AC3E}">
-        <p14:creationId xmlns="" xmlns:p14="http://schemas.microsoft.com/office/powerpoint/2010/main" val="1140807732"/>
+        <p14:creationId xmlns:p14="http://schemas.microsoft.com/office/powerpoint/2010/main" val="1140807732"/>
       </p:ext>
     </p:extLst>
   </p:cSld>
@@ -6525,7 +6525,7 @@
             <a:fld id="{766E0936-2EAE-45ED-BF76-21D747438BFA}" type="datetimeFigureOut">
               <a:rPr lang="pt-BR" smtClean="0"/>
               <a:pPr/>
-              <a:t>11/02/2012</a:t>
+              <a:t>29/02/2012</a:t>
             </a:fld>
             <a:endParaRPr lang="pt-BR"/>
           </a:p>
@@ -6577,7 +6577,7 @@
     </p:spTree>
     <p:extLst>
       <p:ext uri="{BB962C8B-B14F-4D97-AF65-F5344CB8AC3E}">
-        <p14:creationId xmlns="" xmlns:p14="http://schemas.microsoft.com/office/powerpoint/2010/main" val="3735907881"/>
+        <p14:creationId xmlns:p14="http://schemas.microsoft.com/office/powerpoint/2010/main" val="3735907881"/>
       </p:ext>
     </p:extLst>
   </p:cSld>
@@ -6871,7 +6871,7 @@
             <a:fld id="{766E0936-2EAE-45ED-BF76-21D747438BFA}" type="datetimeFigureOut">
               <a:rPr lang="pt-BR" smtClean="0"/>
               <a:pPr/>
-              <a:t>11/02/2012</a:t>
+              <a:t>29/02/2012</a:t>
             </a:fld>
             <a:endParaRPr lang="pt-BR"/>
           </a:p>
@@ -6923,7 +6923,7 @@
     </p:spTree>
     <p:extLst>
       <p:ext uri="{BB962C8B-B14F-4D97-AF65-F5344CB8AC3E}">
-        <p14:creationId xmlns="" xmlns:p14="http://schemas.microsoft.com/office/powerpoint/2010/main" val="2820318444"/>
+        <p14:creationId xmlns:p14="http://schemas.microsoft.com/office/powerpoint/2010/main" val="2820318444"/>
       </p:ext>
     </p:extLst>
   </p:cSld>
@@ -7355,7 +7355,7 @@
             <a:fld id="{766E0936-2EAE-45ED-BF76-21D747438BFA}" type="datetimeFigureOut">
               <a:rPr lang="pt-BR" smtClean="0"/>
               <a:pPr/>
-              <a:t>11/02/2012</a:t>
+              <a:t>29/02/2012</a:t>
             </a:fld>
             <a:endParaRPr lang="pt-BR"/>
           </a:p>
@@ -7407,7 +7407,7 @@
     </p:spTree>
     <p:extLst>
       <p:ext uri="{BB962C8B-B14F-4D97-AF65-F5344CB8AC3E}">
-        <p14:creationId xmlns="" xmlns:p14="http://schemas.microsoft.com/office/powerpoint/2010/main" val="566552069"/>
+        <p14:creationId xmlns:p14="http://schemas.microsoft.com/office/powerpoint/2010/main" val="566552069"/>
       </p:ext>
     </p:extLst>
   </p:cSld>
@@ -7491,7 +7491,7 @@
             <a:fld id="{766E0936-2EAE-45ED-BF76-21D747438BFA}" type="datetimeFigureOut">
               <a:rPr lang="pt-BR" smtClean="0"/>
               <a:pPr/>
-              <a:t>11/02/2012</a:t>
+              <a:t>29/02/2012</a:t>
             </a:fld>
             <a:endParaRPr lang="pt-BR"/>
           </a:p>
@@ -7543,7 +7543,7 @@
     </p:spTree>
     <p:extLst>
       <p:ext uri="{BB962C8B-B14F-4D97-AF65-F5344CB8AC3E}">
-        <p14:creationId xmlns="" xmlns:p14="http://schemas.microsoft.com/office/powerpoint/2010/main" val="1358390184"/>
+        <p14:creationId xmlns:p14="http://schemas.microsoft.com/office/powerpoint/2010/main" val="1358390184"/>
       </p:ext>
     </p:extLst>
   </p:cSld>
@@ -7596,7 +7596,7 @@
             <a:fld id="{766E0936-2EAE-45ED-BF76-21D747438BFA}" type="datetimeFigureOut">
               <a:rPr lang="pt-BR" smtClean="0"/>
               <a:pPr/>
-              <a:t>11/02/2012</a:t>
+              <a:t>29/02/2012</a:t>
             </a:fld>
             <a:endParaRPr lang="pt-BR"/>
           </a:p>
@@ -7648,7 +7648,7 @@
     </p:spTree>
     <p:extLst>
       <p:ext uri="{BB962C8B-B14F-4D97-AF65-F5344CB8AC3E}">
-        <p14:creationId xmlns="" xmlns:p14="http://schemas.microsoft.com/office/powerpoint/2010/main" val="3705262111"/>
+        <p14:creationId xmlns:p14="http://schemas.microsoft.com/office/powerpoint/2010/main" val="3705262111"/>
       </p:ext>
     </p:extLst>
   </p:cSld>
@@ -7911,7 +7911,7 @@
             <a:fld id="{766E0936-2EAE-45ED-BF76-21D747438BFA}" type="datetimeFigureOut">
               <a:rPr lang="pt-BR" smtClean="0"/>
               <a:pPr/>
-              <a:t>11/02/2012</a:t>
+              <a:t>29/02/2012</a:t>
             </a:fld>
             <a:endParaRPr lang="pt-BR"/>
           </a:p>
@@ -7963,7 +7963,7 @@
     </p:spTree>
     <p:extLst>
       <p:ext uri="{BB962C8B-B14F-4D97-AF65-F5344CB8AC3E}">
-        <p14:creationId xmlns="" xmlns:p14="http://schemas.microsoft.com/office/powerpoint/2010/main" val="2189634051"/>
+        <p14:creationId xmlns:p14="http://schemas.microsoft.com/office/powerpoint/2010/main" val="2189634051"/>
       </p:ext>
     </p:extLst>
   </p:cSld>
@@ -8186,7 +8186,7 @@
             <a:fld id="{766E0936-2EAE-45ED-BF76-21D747438BFA}" type="datetimeFigureOut">
               <a:rPr lang="pt-BR" smtClean="0"/>
               <a:pPr/>
-              <a:t>11/02/2012</a:t>
+              <a:t>29/02/2012</a:t>
             </a:fld>
             <a:endParaRPr lang="pt-BR"/>
           </a:p>
@@ -8238,7 +8238,7 @@
     </p:spTree>
     <p:extLst>
       <p:ext uri="{BB962C8B-B14F-4D97-AF65-F5344CB8AC3E}">
-        <p14:creationId xmlns="" xmlns:p14="http://schemas.microsoft.com/office/powerpoint/2010/main" val="3848481695"/>
+        <p14:creationId xmlns:p14="http://schemas.microsoft.com/office/powerpoint/2010/main" val="3848481695"/>
       </p:ext>
     </p:extLst>
   </p:cSld>
@@ -8402,7 +8402,7 @@
             <a:fld id="{766E0936-2EAE-45ED-BF76-21D747438BFA}" type="datetimeFigureOut">
               <a:rPr lang="pt-BR" smtClean="0"/>
               <a:pPr/>
-              <a:t>11/02/2012</a:t>
+              <a:t>29/02/2012</a:t>
             </a:fld>
             <a:endParaRPr lang="pt-BR"/>
           </a:p>
@@ -8516,7 +8516,7 @@
     </p:spTree>
     <p:extLst>
       <p:ext uri="{BB962C8B-B14F-4D97-AF65-F5344CB8AC3E}">
-        <p14:creationId xmlns="" xmlns:p14="http://schemas.microsoft.com/office/powerpoint/2010/main" val="2257276274"/>
+        <p14:creationId xmlns:p14="http://schemas.microsoft.com/office/powerpoint/2010/main" val="2257276274"/>
       </p:ext>
     </p:extLst>
   </p:cSld>
@@ -8824,7 +8824,7 @@
           <a:blip r:embed="rId3" cstate="print">
             <a:extLst>
               <a:ext uri="{28A0092B-C50C-407E-A947-70E740481C1C}">
-                <a14:useLocalDpi xmlns="" xmlns:a14="http://schemas.microsoft.com/office/drawing/2010/main" val="0"/>
+                <a14:useLocalDpi xmlns:a14="http://schemas.microsoft.com/office/drawing/2010/main" val="0"/>
               </a:ext>
             </a:extLst>
           </a:blip>
@@ -8848,14 +8848,14 @@
           <a:effectLst/>
           <a:extLst>
             <a:ext uri="{909E8E84-426E-40DD-AFC4-6F175D3DCCD1}">
-              <a14:hiddenFill xmlns="" xmlns:a14="http://schemas.microsoft.com/office/drawing/2010/main">
+              <a14:hiddenFill xmlns:a14="http://schemas.microsoft.com/office/drawing/2010/main">
                 <a:solidFill>
                   <a:schemeClr val="accent1"/>
                 </a:solidFill>
               </a14:hiddenFill>
             </a:ext>
             <a:ext uri="{91240B29-F687-4F45-9708-019B960494DF}">
-              <a14:hiddenLine xmlns="" xmlns:a14="http://schemas.microsoft.com/office/drawing/2010/main" w="9525">
+              <a14:hiddenLine xmlns:a14="http://schemas.microsoft.com/office/drawing/2010/main" w="9525">
                 <a:solidFill>
                   <a:schemeClr val="tx1"/>
                 </a:solidFill>
@@ -8865,7 +8865,7 @@
               </a14:hiddenLine>
             </a:ext>
             <a:ext uri="{AF507438-7753-43E0-B8FC-AC1667EBCBE1}">
-              <a14:hiddenEffects xmlns="" xmlns:a14="http://schemas.microsoft.com/office/drawing/2010/main">
+              <a14:hiddenEffects xmlns:a14="http://schemas.microsoft.com/office/drawing/2010/main">
                 <a:effectLst>
                   <a:outerShdw dist="35921" dir="2700000" algn="ctr" rotWithShape="0">
                     <a:schemeClr val="bg2"/>
@@ -8948,7 +8948,7 @@
     </p:spTree>
     <p:extLst>
       <p:ext uri="{BB962C8B-B14F-4D97-AF65-F5344CB8AC3E}">
-        <p14:creationId xmlns="" xmlns:p14="http://schemas.microsoft.com/office/powerpoint/2010/main" val="3499982093"/>
+        <p14:creationId xmlns:p14="http://schemas.microsoft.com/office/powerpoint/2010/main" val="3499982093"/>
       </p:ext>
     </p:extLst>
   </p:cSld>
@@ -9780,23 +9780,7 @@
           <a:p>
             <a:r>
               <a:rPr lang="pt-BR" dirty="0" smtClean="0"/>
-              <a:t>Os membros do tipo declarado são os únicos que podem ser acessados, mesmo </a:t>
-            </a:r>
-            <a:r>
-              <a:rPr lang="pt-BR" dirty="0" smtClean="0"/>
-              <a:t>se </a:t>
-            </a:r>
-            <a:r>
-              <a:rPr lang="pt-BR" dirty="0" smtClean="0"/>
-              <a:t>for </a:t>
-            </a:r>
-            <a:r>
-              <a:rPr lang="pt-BR" dirty="0" smtClean="0"/>
-              <a:t>de uma </a:t>
-            </a:r>
-            <a:r>
-              <a:rPr lang="pt-BR" dirty="0" smtClean="0"/>
-              <a:t>referência  de subclasse</a:t>
+              <a:t>Os membros do tipo declarado são os únicos que podem ser acessados, mesmo se for de uma referência  de subclasse</a:t>
             </a:r>
             <a:endParaRPr lang="pt-BR" dirty="0"/>
           </a:p>
@@ -10020,11 +10004,7 @@
             </a:r>
             <a:r>
               <a:rPr lang="pt-BR" smtClean="0"/>
-              <a:t>Casa </a:t>
-            </a:r>
-            <a:r>
-              <a:rPr lang="pt-BR" smtClean="0"/>
-              <a:t>te </a:t>
+              <a:t>Casa tem </a:t>
             </a:r>
             <a:r>
               <a:rPr lang="pt-BR" dirty="0" smtClean="0"/>
@@ -12045,7 +12025,7 @@
           <a:p>
             <a:r>
               <a:rPr lang="pt-BR" dirty="0" smtClean="0"/>
-              <a:t>Tem como principal objetivo permitir que mudanças no código de uma classe não influencia o seu uso</a:t>
+              <a:t>Tem como principal objetivo permitir que mudanças no código de uma classe não influencie o seu uso</a:t>
             </a:r>
           </a:p>
           <a:p>
@@ -14403,8 +14383,13 @@
                 <a:ea typeface="Calibri"/>
                 <a:cs typeface="Consolas" pitchFamily="49" charset="0"/>
               </a:rPr>
-              <a:t> {</a:t>
-            </a:r>
+              <a:t>(){</a:t>
+            </a:r>
+            <a:endParaRPr lang="pt-BR" sz="1600" dirty="0" smtClean="0">
+              <a:latin typeface="Consolas" pitchFamily="49" charset="0"/>
+              <a:ea typeface="Calibri"/>
+              <a:cs typeface="Consolas" pitchFamily="49" charset="0"/>
+            </a:endParaRPr>
           </a:p>
           <a:p>
             <a:pPr>
@@ -16418,8 +16403,8 @@
               <a:t>Observar quando um método está sendo sobrecarregado e não </a:t>
             </a:r>
             <a:r>
-              <a:rPr lang="pt-BR" dirty="0" err="1" smtClean="0"/>
-              <a:t>sobrecrito</a:t>
+              <a:rPr lang="pt-BR" dirty="0" smtClean="0"/>
+              <a:t>sobrescrito</a:t>
             </a:r>
             <a:endParaRPr lang="pt-BR" dirty="0" smtClean="0"/>
           </a:p>
@@ -17034,7 +17019,7 @@
         <p:spPr>
           <a:xfrm>
             <a:off x="571472" y="1556792"/>
-            <a:ext cx="7929618" cy="2923877"/>
+            <a:ext cx="7929618" cy="3490186"/>
           </a:xfrm>
           <a:prstGeom prst="rect">
             <a:avLst/>
@@ -17365,6 +17350,9 @@
               <a:lnSpc>
                 <a:spcPct val="115000"/>
               </a:lnSpc>
+              <a:spcAft>
+                <a:spcPts val="0"/>
+              </a:spcAft>
             </a:pPr>
             <a:r>
               <a:rPr lang="pt-BR" sz="1600" dirty="0" smtClean="0">
@@ -17372,7 +17360,53 @@
                 <a:ea typeface="Calibri"/>
                 <a:cs typeface="Consolas" pitchFamily="49" charset="0"/>
               </a:rPr>
-              <a:t>		Aluno a2 = (String)p;//Não compila</a:t>
+              <a:t>		p = </a:t>
+            </a:r>
+            <a:r>
+              <a:rPr lang="pt-BR" sz="1600" dirty="0" err="1" smtClean="0">
+                <a:latin typeface="Consolas" pitchFamily="49" charset="0"/>
+                <a:ea typeface="Calibri"/>
+                <a:cs typeface="Consolas" pitchFamily="49" charset="0"/>
+              </a:rPr>
+              <a:t>new</a:t>
+            </a:r>
+            <a:r>
+              <a:rPr lang="pt-BR" sz="1600" dirty="0" smtClean="0">
+                <a:latin typeface="Consolas" pitchFamily="49" charset="0"/>
+                <a:ea typeface="Calibri"/>
+                <a:cs typeface="Consolas" pitchFamily="49" charset="0"/>
+              </a:rPr>
+              <a:t> Aluno();</a:t>
+            </a:r>
+          </a:p>
+          <a:p>
+            <a:pPr>
+              <a:lnSpc>
+                <a:spcPct val="115000"/>
+              </a:lnSpc>
+            </a:pPr>
+            <a:r>
+              <a:rPr lang="pt-BR" sz="1600" dirty="0" smtClean="0">
+                <a:latin typeface="Consolas" pitchFamily="49" charset="0"/>
+                <a:ea typeface="Calibri"/>
+                <a:cs typeface="Consolas" pitchFamily="49" charset="0"/>
+              </a:rPr>
+              <a:t>		Aluno a2 = (Aluno)p;//Compila e executa</a:t>
+            </a:r>
+          </a:p>
+          <a:p>
+            <a:pPr>
+              <a:lnSpc>
+                <a:spcPct val="115000"/>
+              </a:lnSpc>
+            </a:pPr>
+            <a:r>
+              <a:rPr lang="pt-BR" sz="1600" dirty="0" smtClean="0">
+                <a:latin typeface="Consolas" pitchFamily="49" charset="0"/>
+                <a:ea typeface="Calibri"/>
+                <a:cs typeface="Consolas" pitchFamily="49" charset="0"/>
+              </a:rPr>
+              <a:t>		String s = (String)p;//Não compila</a:t>
             </a:r>
           </a:p>
           <a:p>
@@ -17571,7 +17605,7 @@
             <a:pPr lvl="1"/>
             <a:r>
               <a:rPr lang="pt-BR" dirty="0" smtClean="0"/>
-              <a:t>Implementar todos os métodos não-abstratos</a:t>
+              <a:t>Implementar todos os métodos abstratos</a:t>
             </a:r>
           </a:p>
           <a:p>
@@ -17747,7 +17781,11 @@
           <a:p>
             <a:r>
               <a:rPr lang="pt-BR" dirty="0" smtClean="0"/>
-              <a:t>O tipo de retorno </a:t>
+              <a:t>O </a:t>
+            </a:r>
+            <a:r>
+              <a:rPr lang="pt-BR" dirty="0" smtClean="0"/>
+              <a:t>retorno </a:t>
             </a:r>
             <a:r>
               <a:rPr lang="pt-BR" dirty="0" err="1" smtClean="0"/>
@@ -17755,7 +17793,15 @@
             </a:r>
             <a:r>
               <a:rPr lang="pt-BR" dirty="0" smtClean="0"/>
-              <a:t> é um tipo válido para tipos de referência</a:t>
+              <a:t> </a:t>
+            </a:r>
+            <a:r>
+              <a:rPr lang="pt-BR" dirty="0" smtClean="0"/>
+              <a:t>é válido </a:t>
+            </a:r>
+            <a:r>
+              <a:rPr lang="pt-BR" dirty="0" smtClean="0"/>
+              <a:t>para tipos de referência</a:t>
             </a:r>
           </a:p>
           <a:p>
@@ -18875,7 +18921,7 @@
           <a:p>
             <a:r>
               <a:rPr lang="pt-BR" dirty="0" smtClean="0"/>
-              <a:t>Precise ter o mesmo nome da classe</a:t>
+              <a:t>Precisa ter o mesmo nome da classe</a:t>
             </a:r>
           </a:p>
           <a:p>
@@ -18968,13 +19014,13 @@
         <p:spPr/>
         <p:txBody>
           <a:bodyPr>
-            <a:normAutofit lnSpcReduction="10000"/>
+            <a:normAutofit/>
           </a:bodyPr>
           <a:lstStyle/>
           <a:p>
             <a:r>
               <a:rPr lang="pt-BR" dirty="0" smtClean="0"/>
-              <a:t>Se algum construtor tiver sido definido, um construtor sem parâmetro deve ser declarado caso seja necessário</a:t>
+              <a:t>Se algum construtor tiver sido definido,  o construtor default não será criado</a:t>
             </a:r>
           </a:p>
           <a:p>
@@ -20215,9 +20261,6 @@
               <a:lnSpc>
                 <a:spcPct val="115000"/>
               </a:lnSpc>
-              <a:spcAft>
-                <a:spcPts val="0"/>
-              </a:spcAft>
             </a:pPr>
             <a:r>
               <a:rPr lang="pt-BR" sz="1600" dirty="0" smtClean="0">
@@ -20225,7 +20268,7 @@
                 <a:ea typeface="Calibri"/>
                 <a:cs typeface="Consolas" pitchFamily="49" charset="0"/>
               </a:rPr>
-              <a:t>		super();</a:t>
+              <a:t>		super(1);//se comentar essa linha da erro</a:t>
             </a:r>
           </a:p>
           <a:p>
@@ -20243,7 +20286,7 @@
                 <a:ea typeface="Calibri"/>
                 <a:cs typeface="Consolas" pitchFamily="49" charset="0"/>
               </a:rPr>
-              <a:t>	}//se comentar essa linha da erro</a:t>
+              <a:t>	}</a:t>
             </a:r>
           </a:p>
           <a:p>
@@ -22489,7 +22532,19 @@
           <a:p>
             <a:r>
               <a:rPr lang="pt-BR" dirty="0" smtClean="0"/>
-              <a:t>O termo coesão tem haver com o grau em que uma classe tem um único objetivo e bem focado objetivo</a:t>
+              <a:t>O termo coesão tem haver com o grau em que uma classe tem um </a:t>
+            </a:r>
+            <a:r>
+              <a:rPr lang="pt-BR" smtClean="0"/>
+              <a:t>único </a:t>
+            </a:r>
+            <a:r>
+              <a:rPr lang="pt-BR" smtClean="0"/>
+              <a:t>e </a:t>
+            </a:r>
+            <a:r>
+              <a:rPr lang="pt-BR" dirty="0" smtClean="0"/>
+              <a:t>bem focado objetivo</a:t>
             </a:r>
           </a:p>
           <a:p>
